--- a/documentation.pptx
+++ b/documentation.pptx
@@ -114,6 +114,51 @@
     </a:lvl9pPr>
   </p:defaultTextStyle>
 </p:presentation>
+</file>
+
+<file path=ppt/revisionInfo.xml><?xml version="1.0" encoding="utf-8"?>
+<p1510:revInfo xmlns:a="http://schemas.openxmlformats.org/drawingml/2006/main" xmlns:r="http://schemas.openxmlformats.org/officeDocument/2006/relationships" xmlns:p1510="http://schemas.microsoft.com/office/powerpoint/2015/10/main">
+  <p1510:revLst>
+    <p1510:client id="{57EFC61B-38F4-4C9E-83C4-08967940327A}" v="1" dt="2023-12-16T22:06:04.560"/>
+  </p1510:revLst>
+</p1510:revInfo>
+</file>
+
+<file path=ppt/changesInfos/changesInfo1.xml><?xml version="1.0" encoding="utf-8"?>
+<pc:chgInfo xmlns:a="http://schemas.openxmlformats.org/drawingml/2006/main" xmlns:r="http://schemas.openxmlformats.org/officeDocument/2006/relationships" xmlns:ac="http://schemas.microsoft.com/office/drawing/2013/main/command" xmlns:pc="http://schemas.microsoft.com/office/powerpoint/2013/main/command">
+  <pc:docChgLst>
+    <pc:chgData name="Yara 20211040" userId="7d211d9e-0dfa-431f-a495-f4cb9eb45ee0" providerId="ADAL" clId="{57EFC61B-38F4-4C9E-83C4-08967940327A}"/>
+    <pc:docChg chg="modSld">
+      <pc:chgData name="Yara 20211040" userId="7d211d9e-0dfa-431f-a495-f4cb9eb45ee0" providerId="ADAL" clId="{57EFC61B-38F4-4C9E-83C4-08967940327A}" dt="2023-12-16T22:08:04.118" v="6" actId="20577"/>
+      <pc:docMkLst>
+        <pc:docMk/>
+      </pc:docMkLst>
+      <pc:sldChg chg="modSp mod">
+        <pc:chgData name="Yara 20211040" userId="7d211d9e-0dfa-431f-a495-f4cb9eb45ee0" providerId="ADAL" clId="{57EFC61B-38F4-4C9E-83C4-08967940327A}" dt="2023-12-16T22:08:04.118" v="6" actId="20577"/>
+        <pc:sldMkLst>
+          <pc:docMk/>
+          <pc:sldMk cId="589347406" sldId="261"/>
+        </pc:sldMkLst>
+        <pc:spChg chg="mod">
+          <ac:chgData name="Yara 20211040" userId="7d211d9e-0dfa-431f-a495-f4cb9eb45ee0" providerId="ADAL" clId="{57EFC61B-38F4-4C9E-83C4-08967940327A}" dt="2023-12-16T22:08:04.118" v="6" actId="20577"/>
+          <ac:spMkLst>
+            <pc:docMk/>
+            <pc:sldMk cId="589347406" sldId="261"/>
+            <ac:spMk id="9" creationId="{43CD3BA7-BB96-E684-355E-5A1064E30A86}"/>
+          </ac:spMkLst>
+        </pc:spChg>
+        <pc:picChg chg="mod">
+          <ac:chgData name="Yara 20211040" userId="7d211d9e-0dfa-431f-a495-f4cb9eb45ee0" providerId="ADAL" clId="{57EFC61B-38F4-4C9E-83C4-08967940327A}" dt="2023-12-16T22:06:04.035" v="0" actId="14826"/>
+          <ac:picMkLst>
+            <pc:docMk/>
+            <pc:sldMk cId="589347406" sldId="261"/>
+            <ac:picMk id="7" creationId="{C734C0CA-6C83-8518-F0A6-6AFF28C6444F}"/>
+          </ac:picMkLst>
+        </pc:picChg>
+      </pc:sldChg>
+    </pc:docChg>
+  </pc:docChgLst>
+</pc:chgInfo>
 </file>
 
 <file path=ppt/slideLayouts/slideLayout1.xml><?xml version="1.0" encoding="utf-8"?>
@@ -4777,7 +4822,7 @@
         <p:spPr>
           <a:xfrm>
             <a:off x="364693" y="1111827"/>
-            <a:ext cx="6354619" cy="5078313"/>
+            <a:ext cx="6354619" cy="4247317"/>
           </a:xfrm>
           <a:prstGeom prst="rect">
             <a:avLst/>
@@ -4830,15 +4875,7 @@
             </a:r>
             <a:r>
               <a:rPr lang="en-US" dirty="0"/>
-              <a:t> class . It initializes a object </a:t>
-            </a:r>
-            <a:r>
-              <a:rPr lang="en-US" dirty="0" err="1"/>
-              <a:t>wordStatRunnable</a:t>
-            </a:r>
-            <a:r>
-              <a:rPr lang="en-US" dirty="0"/>
-              <a:t> to null . It creates an object of </a:t>
+              <a:t> class . It creates an object of </a:t>
             </a:r>
             <a:r>
               <a:rPr lang="en-US" dirty="0" err="1"/>
@@ -4902,23 +4939,7 @@
             </a:r>
             <a:r>
               <a:rPr lang="en-US" dirty="0"/>
-              <a:t>” list. During each iteration, it updates the </a:t>
-            </a:r>
-            <a:r>
-              <a:rPr lang="en-US" dirty="0" err="1"/>
-              <a:t>wordStatRunnable</a:t>
-            </a:r>
-            <a:r>
-              <a:rPr lang="en-US" dirty="0"/>
-              <a:t> object to hold the last created thread After creating all threads, it starts each thread using the start() method. it returns the last </a:t>
-            </a:r>
-            <a:r>
-              <a:rPr lang="en-US" dirty="0" err="1"/>
-              <a:t>WordStatRunnable</a:t>
-            </a:r>
-            <a:r>
-              <a:rPr lang="en-US" dirty="0"/>
-              <a:t> object which represents the last file's processing thread</a:t>
+              <a:t>” list. After creating all threads, it starts each thread using the start() method .</a:t>
             </a:r>
           </a:p>
           <a:p>
